--- a/課題研究/2015/板倉啓太/1342015板倉啓太課題研究ポスター.pptx
+++ b/課題研究/2015/板倉啓太/1342015板倉啓太課題研究ポスター.pptx
@@ -3304,16 +3304,16 @@
           <a:lstStyle/>
           <a:p>
             <a:pPr algn="ctr"/>
-            <a:endParaRPr lang="en-US" altLang="ja-JP" sz="2800" dirty="0" smtClean="0">
-              <a:solidFill>
-                <a:schemeClr val="tx1"/>
-              </a:solidFill>
-              <a:latin typeface="+mj-ea"/>
-              <a:ea typeface="+mj-ea"/>
-            </a:endParaRPr>
-          </a:p>
-          <a:p>
-            <a:pPr algn="ctr"/>
+            <a:r>
+              <a:rPr lang="ja-JP" altLang="en-US" sz="2800" dirty="0" smtClean="0">
+                <a:solidFill>
+                  <a:schemeClr val="tx1"/>
+                </a:solidFill>
+                <a:latin typeface="+mj-ea"/>
+                <a:ea typeface="+mj-ea"/>
+              </a:rPr>
+              <a:t>ルーブリック評価を利用した</a:t>
+            </a:r>
             <a:r>
               <a:rPr lang="en-US" altLang="ja-JP" sz="2800" dirty="0" smtClean="0">
                 <a:solidFill>
@@ -3322,17 +3322,7 @@
                 <a:latin typeface="+mj-ea"/>
                 <a:ea typeface="+mj-ea"/>
               </a:rPr>
-              <a:t>PBL </a:t>
-            </a:r>
-            <a:r>
-              <a:rPr lang="ja-JP" altLang="en-US" sz="2800" dirty="0">
-                <a:solidFill>
-                  <a:schemeClr val="tx1"/>
-                </a:solidFill>
-                <a:latin typeface="+mj-ea"/>
-                <a:ea typeface="+mj-ea"/>
-              </a:rPr>
-              <a:t>を経験した学生</a:t>
+              <a:t>PBL</a:t>
             </a:r>
             <a:r>
               <a:rPr lang="ja-JP" altLang="en-US" sz="2800" dirty="0" smtClean="0">
@@ -3342,39 +3332,12 @@
                 <a:latin typeface="+mj-ea"/>
                 <a:ea typeface="+mj-ea"/>
               </a:rPr>
-              <a:t>の</a:t>
+              <a:t>における学習到達度の測定</a:t>
             </a:r>
             <a:endParaRPr lang="en-US" altLang="ja-JP" sz="2800" dirty="0" smtClean="0">
               <a:solidFill>
                 <a:schemeClr val="tx1"/>
               </a:solidFill>
-              <a:latin typeface="+mj-ea"/>
-              <a:ea typeface="+mj-ea"/>
-            </a:endParaRPr>
-          </a:p>
-          <a:p>
-            <a:pPr algn="ctr"/>
-            <a:r>
-              <a:rPr lang="ja-JP" altLang="en-US" sz="2800" dirty="0" smtClean="0">
-                <a:solidFill>
-                  <a:schemeClr val="tx1"/>
-                </a:solidFill>
-                <a:latin typeface="+mj-ea"/>
-                <a:ea typeface="+mj-ea"/>
-              </a:rPr>
-              <a:t>学習成果の測定</a:t>
-            </a:r>
-            <a:endParaRPr lang="ja-JP" altLang="en-US" sz="2800" dirty="0">
-              <a:solidFill>
-                <a:schemeClr val="tx1"/>
-              </a:solidFill>
-              <a:latin typeface="+mj-ea"/>
-              <a:ea typeface="+mj-ea"/>
-            </a:endParaRPr>
-          </a:p>
-          <a:p>
-            <a:pPr algn="ctr"/>
-            <a:endParaRPr lang="en-US" altLang="ja-JP" sz="2800" dirty="0" smtClean="0">
               <a:latin typeface="+mj-ea"/>
               <a:ea typeface="+mj-ea"/>
             </a:endParaRPr>
@@ -3980,8 +3943,28 @@
                 <a:t>PBL </a:t>
               </a:r>
               <a:r>
+                <a:rPr lang="ja-JP" altLang="en-US" sz="1400" smtClean="0"/>
+                <a:t>の</a:t>
+              </a:r>
+              <a:r>
+                <a:rPr lang="ja-JP" altLang="en-US" sz="1400" smtClean="0"/>
+                <a:t>学習</a:t>
+              </a:r>
+              <a:r>
+                <a:rPr lang="ja-JP" altLang="en-US" sz="1400" smtClean="0"/>
+                <a:t>到達</a:t>
+              </a:r>
+              <a:r>
+                <a:rPr lang="ja-JP" altLang="en-US" sz="1400"/>
+                <a:t>度</a:t>
+              </a:r>
+              <a:r>
+                <a:rPr lang="ja-JP" altLang="en-US" sz="1400" smtClean="0"/>
+                <a:t>が</a:t>
+              </a:r>
+              <a:r>
                 <a:rPr lang="ja-JP" altLang="en-US" sz="1400" dirty="0" smtClean="0"/>
-                <a:t>の学習成果が的確</a:t>
+                <a:t>的確</a:t>
               </a:r>
               <a:r>
                 <a:rPr lang="ja-JP" altLang="en-US" sz="1400" dirty="0"/>

--- a/課題研究/2015/板倉啓太/1342015板倉啓太課題研究ポスター.pptx
+++ b/課題研究/2015/板倉啓太/1342015板倉啓太課題研究ポスター.pptx
@@ -8,7 +8,7 @@
     <p:sldId id="256" r:id="rId2"/>
   </p:sldIdLst>
   <p:sldSz cx="6858000" cy="9906000" type="A4"/>
-  <p:notesSz cx="6858000" cy="9144000"/>
+  <p:notesSz cx="6797675" cy="9926638"/>
   <p:defaultTextStyle>
     <a:defPPr>
       <a:defRPr lang="ja-JP"/>
@@ -243,7 +243,7 @@
           <a:p>
             <a:fld id="{B4B2CA72-24AD-4332-9D1C-35DD63E783C0}" type="datetimeFigureOut">
               <a:rPr kumimoji="1" lang="ja-JP" altLang="en-US" smtClean="0"/>
-              <a:t>2015/12/16</a:t>
+              <a:t>2015/12/17</a:t>
             </a:fld>
             <a:endParaRPr kumimoji="1" lang="ja-JP" altLang="en-US"/>
           </a:p>
@@ -445,7 +445,7 @@
           <a:p>
             <a:fld id="{B4B2CA72-24AD-4332-9D1C-35DD63E783C0}" type="datetimeFigureOut">
               <a:rPr kumimoji="1" lang="ja-JP" altLang="en-US" smtClean="0"/>
-              <a:t>2015/12/16</a:t>
+              <a:t>2015/12/17</a:t>
             </a:fld>
             <a:endParaRPr kumimoji="1" lang="ja-JP" altLang="en-US"/>
           </a:p>
@@ -657,7 +657,7 @@
           <a:p>
             <a:fld id="{B4B2CA72-24AD-4332-9D1C-35DD63E783C0}" type="datetimeFigureOut">
               <a:rPr kumimoji="1" lang="ja-JP" altLang="en-US" smtClean="0"/>
-              <a:t>2015/12/16</a:t>
+              <a:t>2015/12/17</a:t>
             </a:fld>
             <a:endParaRPr kumimoji="1" lang="ja-JP" altLang="en-US"/>
           </a:p>
@@ -859,7 +859,7 @@
           <a:p>
             <a:fld id="{B4B2CA72-24AD-4332-9D1C-35DD63E783C0}" type="datetimeFigureOut">
               <a:rPr kumimoji="1" lang="ja-JP" altLang="en-US" smtClean="0"/>
-              <a:t>2015/12/16</a:t>
+              <a:t>2015/12/17</a:t>
             </a:fld>
             <a:endParaRPr kumimoji="1" lang="ja-JP" altLang="en-US"/>
           </a:p>
@@ -1105,7 +1105,7 @@
           <a:p>
             <a:fld id="{B4B2CA72-24AD-4332-9D1C-35DD63E783C0}" type="datetimeFigureOut">
               <a:rPr kumimoji="1" lang="ja-JP" altLang="en-US" smtClean="0"/>
-              <a:t>2015/12/16</a:t>
+              <a:t>2015/12/17</a:t>
             </a:fld>
             <a:endParaRPr kumimoji="1" lang="ja-JP" altLang="en-US"/>
           </a:p>
@@ -1401,7 +1401,7 @@
           <a:p>
             <a:fld id="{B4B2CA72-24AD-4332-9D1C-35DD63E783C0}" type="datetimeFigureOut">
               <a:rPr kumimoji="1" lang="ja-JP" altLang="en-US" smtClean="0"/>
-              <a:t>2015/12/16</a:t>
+              <a:t>2015/12/17</a:t>
             </a:fld>
             <a:endParaRPr kumimoji="1" lang="ja-JP" altLang="en-US"/>
           </a:p>
@@ -1832,7 +1832,7 @@
           <a:p>
             <a:fld id="{B4B2CA72-24AD-4332-9D1C-35DD63E783C0}" type="datetimeFigureOut">
               <a:rPr kumimoji="1" lang="ja-JP" altLang="en-US" smtClean="0"/>
-              <a:t>2015/12/16</a:t>
+              <a:t>2015/12/17</a:t>
             </a:fld>
             <a:endParaRPr kumimoji="1" lang="ja-JP" altLang="en-US"/>
           </a:p>
@@ -1950,7 +1950,7 @@
           <a:p>
             <a:fld id="{B4B2CA72-24AD-4332-9D1C-35DD63E783C0}" type="datetimeFigureOut">
               <a:rPr kumimoji="1" lang="ja-JP" altLang="en-US" smtClean="0"/>
-              <a:t>2015/12/16</a:t>
+              <a:t>2015/12/17</a:t>
             </a:fld>
             <a:endParaRPr kumimoji="1" lang="ja-JP" altLang="en-US"/>
           </a:p>
@@ -2045,7 +2045,7 @@
           <a:p>
             <a:fld id="{B4B2CA72-24AD-4332-9D1C-35DD63E783C0}" type="datetimeFigureOut">
               <a:rPr kumimoji="1" lang="ja-JP" altLang="en-US" smtClean="0"/>
-              <a:t>2015/12/16</a:t>
+              <a:t>2015/12/17</a:t>
             </a:fld>
             <a:endParaRPr kumimoji="1" lang="ja-JP" altLang="en-US"/>
           </a:p>
@@ -2354,7 +2354,7 @@
           <a:p>
             <a:fld id="{B4B2CA72-24AD-4332-9D1C-35DD63E783C0}" type="datetimeFigureOut">
               <a:rPr kumimoji="1" lang="ja-JP" altLang="en-US" smtClean="0"/>
-              <a:t>2015/12/16</a:t>
+              <a:t>2015/12/17</a:t>
             </a:fld>
             <a:endParaRPr kumimoji="1" lang="ja-JP" altLang="en-US"/>
           </a:p>
@@ -2607,7 +2607,7 @@
           <a:p>
             <a:fld id="{B4B2CA72-24AD-4332-9D1C-35DD63E783C0}" type="datetimeFigureOut">
               <a:rPr kumimoji="1" lang="ja-JP" altLang="en-US" smtClean="0"/>
-              <a:t>2015/12/16</a:t>
+              <a:t>2015/12/17</a:t>
             </a:fld>
             <a:endParaRPr kumimoji="1" lang="ja-JP" altLang="en-US"/>
           </a:p>
@@ -2852,7 +2852,7 @@
           <a:p>
             <a:fld id="{B4B2CA72-24AD-4332-9D1C-35DD63E783C0}" type="datetimeFigureOut">
               <a:rPr kumimoji="1" lang="ja-JP" altLang="en-US" smtClean="0"/>
-              <a:t>2015/12/16</a:t>
+              <a:t>2015/12/17</a:t>
             </a:fld>
             <a:endParaRPr kumimoji="1" lang="ja-JP" altLang="en-US"/>
           </a:p>
@@ -3944,15 +3944,7 @@
               </a:r>
               <a:r>
                 <a:rPr lang="ja-JP" altLang="en-US" sz="1400" smtClean="0"/>
-                <a:t>の</a:t>
-              </a:r>
-              <a:r>
-                <a:rPr lang="ja-JP" altLang="en-US" sz="1400" smtClean="0"/>
-                <a:t>学習</a:t>
-              </a:r>
-              <a:r>
-                <a:rPr lang="ja-JP" altLang="en-US" sz="1400" smtClean="0"/>
-                <a:t>到達</a:t>
+                <a:t>の学習到達</a:t>
               </a:r>
               <a:r>
                 <a:rPr lang="ja-JP" altLang="en-US" sz="1400"/>
@@ -4629,15 +4621,15 @@
         </p:spPr>
         <p:style>
           <a:lnRef idx="2">
-            <a:schemeClr val="accent1">
+            <a:schemeClr val="accent3">
               <a:shade val="50000"/>
             </a:schemeClr>
           </a:lnRef>
           <a:fillRef idx="1">
-            <a:schemeClr val="accent1"/>
+            <a:schemeClr val="accent3"/>
           </a:fillRef>
           <a:effectRef idx="0">
-            <a:schemeClr val="accent1"/>
+            <a:schemeClr val="accent3"/>
           </a:effectRef>
           <a:fontRef idx="minor">
             <a:schemeClr val="lt1"/>
@@ -4728,66 +4720,6 @@
           </a:fontRef>
         </p:style>
       </p:cxnSp>
-      <p:pic>
-        <p:nvPicPr>
-          <p:cNvPr id="28" name="図 27"/>
-          <p:cNvPicPr>
-            <a:picLocks noChangeAspect="1"/>
-          </p:cNvPicPr>
-          <p:nvPr/>
-        </p:nvPicPr>
-        <p:blipFill>
-          <a:blip r:embed="rId2" cstate="print">
-            <a:extLst>
-              <a:ext uri="{28A0092B-C50C-407E-A947-70E740481C1C}">
-                <a14:useLocalDpi xmlns:a14="http://schemas.microsoft.com/office/drawing/2010/main" val="0"/>
-              </a:ext>
-            </a:extLst>
-          </a:blip>
-          <a:stretch>
-            <a:fillRect/>
-          </a:stretch>
-        </p:blipFill>
-        <p:spPr>
-          <a:xfrm>
-            <a:off x="611414" y="7023870"/>
-            <a:ext cx="3242579" cy="1664031"/>
-          </a:xfrm>
-          <a:prstGeom prst="rect">
-            <a:avLst/>
-          </a:prstGeom>
-        </p:spPr>
-      </p:pic>
-      <p:pic>
-        <p:nvPicPr>
-          <p:cNvPr id="32" name="図 31"/>
-          <p:cNvPicPr>
-            <a:picLocks noChangeAspect="1"/>
-          </p:cNvPicPr>
-          <p:nvPr/>
-        </p:nvPicPr>
-        <p:blipFill>
-          <a:blip r:embed="rId3" cstate="print">
-            <a:extLst>
-              <a:ext uri="{28A0092B-C50C-407E-A947-70E740481C1C}">
-                <a14:useLocalDpi xmlns:a14="http://schemas.microsoft.com/office/drawing/2010/main" val="0"/>
-              </a:ext>
-            </a:extLst>
-          </a:blip>
-          <a:stretch>
-            <a:fillRect/>
-          </a:stretch>
-        </p:blipFill>
-        <p:spPr>
-          <a:xfrm>
-            <a:off x="3853993" y="7022343"/>
-            <a:ext cx="2528648" cy="1665558"/>
-          </a:xfrm>
-          <a:prstGeom prst="rect">
-            <a:avLst/>
-          </a:prstGeom>
-        </p:spPr>
-      </p:pic>
       <p:sp>
         <p:nvSpPr>
           <p:cNvPr id="35" name="テキスト ボックス 34"/>
@@ -4904,6 +4836,78 @@
           </a:p>
         </p:txBody>
       </p:sp>
+      <p:pic>
+        <p:nvPicPr>
+          <p:cNvPr id="10" name="図 9"/>
+          <p:cNvPicPr>
+            <a:picLocks noChangeAspect="1"/>
+          </p:cNvPicPr>
+          <p:nvPr/>
+        </p:nvPicPr>
+        <p:blipFill>
+          <a:blip r:embed="rId2"/>
+          <a:stretch>
+            <a:fillRect/>
+          </a:stretch>
+        </p:blipFill>
+        <p:spPr>
+          <a:xfrm>
+            <a:off x="587365" y="7078841"/>
+            <a:ext cx="1652528" cy="1502773"/>
+          </a:xfrm>
+          <a:prstGeom prst="rect">
+            <a:avLst/>
+          </a:prstGeom>
+        </p:spPr>
+      </p:pic>
+      <p:pic>
+        <p:nvPicPr>
+          <p:cNvPr id="11" name="図 10"/>
+          <p:cNvPicPr>
+            <a:picLocks noChangeAspect="1"/>
+          </p:cNvPicPr>
+          <p:nvPr/>
+        </p:nvPicPr>
+        <p:blipFill>
+          <a:blip r:embed="rId3"/>
+          <a:stretch>
+            <a:fillRect/>
+          </a:stretch>
+        </p:blipFill>
+        <p:spPr>
+          <a:xfrm>
+            <a:off x="2283724" y="7078841"/>
+            <a:ext cx="1739464" cy="1502773"/>
+          </a:xfrm>
+          <a:prstGeom prst="rect">
+            <a:avLst/>
+          </a:prstGeom>
+        </p:spPr>
+      </p:pic>
+      <p:pic>
+        <p:nvPicPr>
+          <p:cNvPr id="12" name="図 11"/>
+          <p:cNvPicPr>
+            <a:picLocks noChangeAspect="1"/>
+          </p:cNvPicPr>
+          <p:nvPr/>
+        </p:nvPicPr>
+        <p:blipFill>
+          <a:blip r:embed="rId4"/>
+          <a:stretch>
+            <a:fillRect/>
+          </a:stretch>
+        </p:blipFill>
+        <p:spPr>
+          <a:xfrm>
+            <a:off x="4069147" y="7078841"/>
+            <a:ext cx="2302799" cy="1500413"/>
+          </a:xfrm>
+          <a:prstGeom prst="rect">
+            <a:avLst/>
+          </a:prstGeom>
+        </p:spPr>
+      </p:pic>
     </p:spTree>
     <p:extLst>
       <p:ext uri="{BB962C8B-B14F-4D97-AF65-F5344CB8AC3E}">

--- a/課題研究/2015/板倉啓太/1342015板倉啓太課題研究ポスター.pptx
+++ b/課題研究/2015/板倉啓太/1342015板倉啓太課題研究ポスター.pptx
@@ -4836,78 +4836,177 @@
           </a:p>
         </p:txBody>
       </p:sp>
-      <p:pic>
-        <p:nvPicPr>
-          <p:cNvPr id="10" name="図 9"/>
-          <p:cNvPicPr>
-            <a:picLocks noChangeAspect="1"/>
-          </p:cNvPicPr>
-          <p:nvPr/>
-        </p:nvPicPr>
-        <p:blipFill>
-          <a:blip r:embed="rId2"/>
-          <a:stretch>
-            <a:fillRect/>
-          </a:stretch>
-        </p:blipFill>
-        <p:spPr>
-          <a:xfrm>
-            <a:off x="587365" y="7078841"/>
-            <a:ext cx="1652528" cy="1502773"/>
-          </a:xfrm>
-          <a:prstGeom prst="rect">
-            <a:avLst/>
-          </a:prstGeom>
-        </p:spPr>
-      </p:pic>
-      <p:pic>
-        <p:nvPicPr>
-          <p:cNvPr id="11" name="図 10"/>
-          <p:cNvPicPr>
-            <a:picLocks noChangeAspect="1"/>
-          </p:cNvPicPr>
-          <p:nvPr/>
-        </p:nvPicPr>
-        <p:blipFill>
-          <a:blip r:embed="rId3"/>
-          <a:stretch>
-            <a:fillRect/>
-          </a:stretch>
-        </p:blipFill>
-        <p:spPr>
-          <a:xfrm>
-            <a:off x="2283724" y="7078841"/>
-            <a:ext cx="1739464" cy="1502773"/>
-          </a:xfrm>
-          <a:prstGeom prst="rect">
-            <a:avLst/>
-          </a:prstGeom>
-        </p:spPr>
-      </p:pic>
-      <p:pic>
-        <p:nvPicPr>
-          <p:cNvPr id="12" name="図 11"/>
-          <p:cNvPicPr>
-            <a:picLocks noChangeAspect="1"/>
-          </p:cNvPicPr>
-          <p:nvPr/>
-        </p:nvPicPr>
-        <p:blipFill>
-          <a:blip r:embed="rId4"/>
-          <a:stretch>
-            <a:fillRect/>
-          </a:stretch>
-        </p:blipFill>
-        <p:spPr>
-          <a:xfrm>
-            <a:off x="4069147" y="7078841"/>
-            <a:ext cx="2302799" cy="1500413"/>
-          </a:xfrm>
-          <a:prstGeom prst="rect">
-            <a:avLst/>
-          </a:prstGeom>
-        </p:spPr>
-      </p:pic>
+      <p:graphicFrame>
+        <p:nvGraphicFramePr>
+          <p:cNvPr id="9" name="オブジェクト 8"/>
+          <p:cNvGraphicFramePr>
+            <a:graphicFrameLocks noChangeAspect="1"/>
+          </p:cNvGraphicFramePr>
+          <p:nvPr>
+            <p:extLst>
+              <p:ext uri="{D42A27DB-BD31-4B8C-83A1-F6EECF244321}">
+                <p14:modId xmlns:p14="http://schemas.microsoft.com/office/powerpoint/2010/main" val="4142553150"/>
+              </p:ext>
+            </p:extLst>
+          </p:nvPr>
+        </p:nvGraphicFramePr>
+        <p:xfrm>
+          <a:off x="2280911" y="7078078"/>
+          <a:ext cx="1739464" cy="1501938"/>
+        </p:xfrm>
+        <a:graphic>
+          <a:graphicData uri="http://schemas.openxmlformats.org/presentationml/2006/ole">
+            <mc:AlternateContent xmlns:mc="http://schemas.openxmlformats.org/markup-compatibility/2006">
+              <mc:Choice xmlns:v="urn:schemas-microsoft-com:vml" Requires="v">
+                <p:oleObj spid="_x0000_s1028" name="ワークシート" r:id="rId3" imgW="5574656" imgH="4854054" progId="Excel.Sheet.12">
+                  <p:embed/>
+                </p:oleObj>
+              </mc:Choice>
+              <mc:Fallback>
+                <p:oleObj name="ワークシート" r:id="rId3" imgW="5574656" imgH="4854054" progId="Excel.Sheet.12">
+                  <p:embed/>
+                  <p:pic>
+                    <p:nvPicPr>
+                      <p:cNvPr id="0" name=""/>
+                      <p:cNvPicPr/>
+                      <p:nvPr/>
+                    </p:nvPicPr>
+                    <p:blipFill>
+                      <a:blip r:embed="rId4"/>
+                      <a:stretch>
+                        <a:fillRect/>
+                      </a:stretch>
+                    </p:blipFill>
+                    <p:spPr>
+                      <a:xfrm>
+                        <a:off x="2280911" y="7078078"/>
+                        <a:ext cx="1739464" cy="1501938"/>
+                      </a:xfrm>
+                      <a:prstGeom prst="rect">
+                        <a:avLst/>
+                      </a:prstGeom>
+                    </p:spPr>
+                  </p:pic>
+                </p:oleObj>
+              </mc:Fallback>
+            </mc:AlternateContent>
+          </a:graphicData>
+        </a:graphic>
+      </p:graphicFrame>
+      <p:graphicFrame>
+        <p:nvGraphicFramePr>
+          <p:cNvPr id="13" name="オブジェクト 12"/>
+          <p:cNvGraphicFramePr>
+            <a:graphicFrameLocks noChangeAspect="1"/>
+          </p:cNvGraphicFramePr>
+          <p:nvPr>
+            <p:extLst>
+              <p:ext uri="{D42A27DB-BD31-4B8C-83A1-F6EECF244321}">
+                <p14:modId xmlns:p14="http://schemas.microsoft.com/office/powerpoint/2010/main" val="1576046508"/>
+              </p:ext>
+            </p:extLst>
+          </p:nvPr>
+        </p:nvGraphicFramePr>
+        <p:xfrm>
+          <a:off x="598863" y="7078078"/>
+          <a:ext cx="1637614" cy="1501176"/>
+        </p:xfrm>
+        <a:graphic>
+          <a:graphicData uri="http://schemas.openxmlformats.org/presentationml/2006/ole">
+            <mc:AlternateContent xmlns:mc="http://schemas.openxmlformats.org/markup-compatibility/2006">
+              <mc:Choice xmlns:v="urn:schemas-microsoft-com:vml" Requires="v">
+                <p:oleObj spid="_x0000_s1029" name="ワークシート" r:id="rId5" imgW="5574656" imgH="4832454" progId="Excel.Sheet.12">
+                  <p:embed/>
+                </p:oleObj>
+              </mc:Choice>
+              <mc:Fallback>
+                <p:oleObj name="ワークシート" r:id="rId5" imgW="5574656" imgH="4832454" progId="Excel.Sheet.12">
+                  <p:embed/>
+                  <p:pic>
+                    <p:nvPicPr>
+                      <p:cNvPr id="0" name=""/>
+                      <p:cNvPicPr/>
+                      <p:nvPr/>
+                    </p:nvPicPr>
+                    <p:blipFill>
+                      <a:blip r:embed="rId6"/>
+                      <a:stretch>
+                        <a:fillRect/>
+                      </a:stretch>
+                    </p:blipFill>
+                    <p:spPr>
+                      <a:xfrm>
+                        <a:off x="598863" y="7078078"/>
+                        <a:ext cx="1637614" cy="1501176"/>
+                      </a:xfrm>
+                      <a:prstGeom prst="rect">
+                        <a:avLst/>
+                      </a:prstGeom>
+                    </p:spPr>
+                  </p:pic>
+                </p:oleObj>
+              </mc:Fallback>
+            </mc:AlternateContent>
+          </a:graphicData>
+        </a:graphic>
+      </p:graphicFrame>
+      <p:graphicFrame>
+        <p:nvGraphicFramePr>
+          <p:cNvPr id="15" name="オブジェクト 14"/>
+          <p:cNvGraphicFramePr>
+            <a:graphicFrameLocks noChangeAspect="1"/>
+          </p:cNvGraphicFramePr>
+          <p:nvPr>
+            <p:extLst>
+              <p:ext uri="{D42A27DB-BD31-4B8C-83A1-F6EECF244321}">
+                <p14:modId xmlns:p14="http://schemas.microsoft.com/office/powerpoint/2010/main" val="3102620368"/>
+              </p:ext>
+            </p:extLst>
+          </p:nvPr>
+        </p:nvGraphicFramePr>
+        <p:xfrm>
+          <a:off x="4064809" y="7079049"/>
+          <a:ext cx="2307137" cy="1500205"/>
+        </p:xfrm>
+        <a:graphic>
+          <a:graphicData uri="http://schemas.openxmlformats.org/presentationml/2006/ole">
+            <mc:AlternateContent xmlns:mc="http://schemas.openxmlformats.org/markup-compatibility/2006">
+              <mc:Choice xmlns:v="urn:schemas-microsoft-com:vml" Requires="v">
+                <p:oleObj spid="_x0000_s1030" name="文書" r:id="rId7" imgW="6530981" imgH="4555133" progId="Word.Document.12">
+                  <p:embed/>
+                </p:oleObj>
+              </mc:Choice>
+              <mc:Fallback>
+                <p:oleObj name="文書" r:id="rId7" imgW="6530981" imgH="4555133" progId="Word.Document.12">
+                  <p:embed/>
+                  <p:pic>
+                    <p:nvPicPr>
+                      <p:cNvPr id="0" name=""/>
+                      <p:cNvPicPr/>
+                      <p:nvPr/>
+                    </p:nvPicPr>
+                    <p:blipFill>
+                      <a:blip r:embed="rId8"/>
+                      <a:stretch>
+                        <a:fillRect/>
+                      </a:stretch>
+                    </p:blipFill>
+                    <p:spPr>
+                      <a:xfrm>
+                        <a:off x="4064809" y="7079049"/>
+                        <a:ext cx="2307137" cy="1500205"/>
+                      </a:xfrm>
+                      <a:prstGeom prst="rect">
+                        <a:avLst/>
+                      </a:prstGeom>
+                    </p:spPr>
+                  </p:pic>
+                </p:oleObj>
+              </mc:Fallback>
+            </mc:AlternateContent>
+          </a:graphicData>
+        </a:graphic>
+      </p:graphicFrame>
     </p:spTree>
     <p:extLst>
       <p:ext uri="{BB962C8B-B14F-4D97-AF65-F5344CB8AC3E}">

--- a/課題研究/2015/板倉啓太/1342015板倉啓太課題研究ポスター.pptx
+++ b/課題研究/2015/板倉啓太/1342015板倉啓太課題研究ポスター.pptx
@@ -3265,8 +3265,8 @@
         </p:nvSpPr>
         <p:spPr>
           <a:xfrm>
-            <a:off x="737280" y="176893"/>
-            <a:ext cx="5342165" cy="1084943"/>
+            <a:off x="546264" y="176893"/>
+            <a:ext cx="5871642" cy="1084943"/>
           </a:xfrm>
           <a:prstGeom prst="flowChartAlternateProcess">
             <a:avLst/>
@@ -3561,8 +3561,8 @@
         </p:nvSpPr>
         <p:spPr>
           <a:xfrm>
-            <a:off x="3407973" y="3392304"/>
-            <a:ext cx="757627" cy="317320"/>
+            <a:off x="3408362" y="3392270"/>
+            <a:ext cx="757627" cy="331632"/>
           </a:xfrm>
           <a:prstGeom prst="flowChartAlternateProcess">
             <a:avLst/>
@@ -3835,7 +3835,7 @@
             </p:nvSpPr>
             <p:spPr>
               <a:xfrm>
-                <a:off x="901042" y="8673866"/>
+                <a:off x="914101" y="8700953"/>
                 <a:ext cx="1347261" cy="324084"/>
               </a:xfrm>
               <a:prstGeom prst="flowChartAlternateProcess">
@@ -4374,7 +4374,7 @@
           </p:nvSpPr>
           <p:spPr>
             <a:xfrm>
-              <a:off x="874293" y="7308226"/>
+              <a:off x="904080" y="7304612"/>
               <a:ext cx="1959869" cy="146077"/>
             </a:xfrm>
             <a:prstGeom prst="flowChartAlternateProcess">
@@ -4858,12 +4858,12 @@
           <a:graphicData uri="http://schemas.openxmlformats.org/presentationml/2006/ole">
             <mc:AlternateContent xmlns:mc="http://schemas.openxmlformats.org/markup-compatibility/2006">
               <mc:Choice xmlns:v="urn:schemas-microsoft-com:vml" Requires="v">
-                <p:oleObj spid="_x0000_s1028" name="ワークシート" r:id="rId3" imgW="5574656" imgH="4854054" progId="Excel.Sheet.12">
+                <p:oleObj spid="_x0000_s1031" name="ワークシート" r:id="rId4" imgW="5574656" imgH="4854054" progId="Excel.Sheet.12">
                   <p:embed/>
                 </p:oleObj>
               </mc:Choice>
               <mc:Fallback>
-                <p:oleObj name="ワークシート" r:id="rId3" imgW="5574656" imgH="4854054" progId="Excel.Sheet.12">
+                <p:oleObj name="ワークシート" r:id="rId4" imgW="5574656" imgH="4854054" progId="Excel.Sheet.12">
                   <p:embed/>
                   <p:pic>
                     <p:nvPicPr>
@@ -4872,7 +4872,7 @@
                       <p:nvPr/>
                     </p:nvPicPr>
                     <p:blipFill>
-                      <a:blip r:embed="rId4"/>
+                      <a:blip r:embed="rId5"/>
                       <a:stretch>
                         <a:fillRect/>
                       </a:stretch>
@@ -4915,12 +4915,12 @@
           <a:graphicData uri="http://schemas.openxmlformats.org/presentationml/2006/ole">
             <mc:AlternateContent xmlns:mc="http://schemas.openxmlformats.org/markup-compatibility/2006">
               <mc:Choice xmlns:v="urn:schemas-microsoft-com:vml" Requires="v">
-                <p:oleObj spid="_x0000_s1029" name="ワークシート" r:id="rId5" imgW="5574656" imgH="4832454" progId="Excel.Sheet.12">
+                <p:oleObj spid="_x0000_s1032" name="ワークシート" r:id="rId7" imgW="5574656" imgH="4832454" progId="Excel.Sheet.12">
                   <p:embed/>
                 </p:oleObj>
               </mc:Choice>
               <mc:Fallback>
-                <p:oleObj name="ワークシート" r:id="rId5" imgW="5574656" imgH="4832454" progId="Excel.Sheet.12">
+                <p:oleObj name="ワークシート" r:id="rId7" imgW="5574656" imgH="4832454" progId="Excel.Sheet.12">
                   <p:embed/>
                   <p:pic>
                     <p:nvPicPr>
@@ -4929,7 +4929,7 @@
                       <p:nvPr/>
                     </p:nvPicPr>
                     <p:blipFill>
-                      <a:blip r:embed="rId6"/>
+                      <a:blip r:embed="rId8"/>
                       <a:stretch>
                         <a:fillRect/>
                       </a:stretch>
@@ -4972,12 +4972,12 @@
           <a:graphicData uri="http://schemas.openxmlformats.org/presentationml/2006/ole">
             <mc:AlternateContent xmlns:mc="http://schemas.openxmlformats.org/markup-compatibility/2006">
               <mc:Choice xmlns:v="urn:schemas-microsoft-com:vml" Requires="v">
-                <p:oleObj spid="_x0000_s1030" name="文書" r:id="rId7" imgW="6530981" imgH="4555133" progId="Word.Document.12">
+                <p:oleObj spid="_x0000_s1033" name="文書" r:id="rId10" imgW="6530981" imgH="4555133" progId="Word.Document.12">
                   <p:embed/>
                 </p:oleObj>
               </mc:Choice>
               <mc:Fallback>
-                <p:oleObj name="文書" r:id="rId7" imgW="6530981" imgH="4555133" progId="Word.Document.12">
+                <p:oleObj name="文書" r:id="rId10" imgW="6530981" imgH="4555133" progId="Word.Document.12">
                   <p:embed/>
                   <p:pic>
                     <p:nvPicPr>
@@ -4986,7 +4986,7 @@
                       <p:nvPr/>
                     </p:nvPicPr>
                     <p:blipFill>
-                      <a:blip r:embed="rId8"/>
+                      <a:blip r:embed="rId11"/>
                       <a:stretch>
                         <a:fillRect/>
                       </a:stretch>
